--- a/starter.pptx
+++ b/starter.pptx
@@ -6,10 +6,10 @@
     <p:sldMasterId id="2147483690" r:id="rId6"/>
   </p:sldMasterIdLst>
   <p:notesMasterIdLst>
-    <p:notesMasterId r:id="rId13"/>
+    <p:notesMasterId r:id="rId14"/>
   </p:notesMasterIdLst>
   <p:handoutMasterIdLst>
-    <p:handoutMasterId r:id="rId14"/>
+    <p:handoutMasterId r:id="rId15"/>
   </p:handoutMasterIdLst>
   <p:sldIdLst>
     <p:sldId id="256" r:id="rId7"/>
@@ -17,7 +17,8 @@
     <p:sldId id="258" r:id="rId9"/>
     <p:sldId id="259" r:id="rId10"/>
     <p:sldId id="260" r:id="rId11"/>
-    <p:sldId id="261" r:id="rId12"/>
+    <p:sldId id="262" r:id="rId12"/>
+    <p:sldId id="261" r:id="rId13"/>
   </p:sldIdLst>
   <p:sldSz cx="12192000" cy="6858000"/>
   <p:notesSz cx="6858000" cy="9144000"/>
@@ -138,6 +139,10 @@
 </p:presentation>
 </file>
 
+<file path=ppt/revisionInfo.xml><?xml version="1.0" encoding="utf-8"?>
+<p1510:revInfo xmlns:a="http://schemas.openxmlformats.org/drawingml/2006/main" xmlns:r="http://schemas.openxmlformats.org/officeDocument/2006/relationships" xmlns:p1510="http://schemas.microsoft.com/office/powerpoint/2015/10/main"/>
+</file>
+
 <file path=ppt/diagrams/colors1.xml><?xml version="1.0" encoding="utf-8"?>
 <dgm:colorsDef xmlns:dgm="http://schemas.openxmlformats.org/drawingml/2006/diagram" xmlns:a="http://schemas.openxmlformats.org/drawingml/2006/main" uniqueId="urn:microsoft.com/office/officeart/2005/8/colors/accent1_2">
   <dgm:title val=""/>
@@ -2469,9 +2474,9 @@
     </dgm:pt>
   </dgm:ptLst>
   <dgm:cxnLst>
-    <dgm:cxn modelId="{017518C9-1619-4B19-AA03-86BA999BA287}" srcId="{EAB81984-5B84-4970-8447-2B456B8C58DF}" destId="{B75F6A3A-9A51-4DF3-8A57-9AEB0739425C}" srcOrd="0" destOrd="0" parTransId="{203596AF-4F49-40BA-B1E1-11BDD34B512E}" sibTransId="{A056157B-3867-49A4-9195-F3A4F3FBBA8E}"/>
     <dgm:cxn modelId="{1CEAA455-5BF4-4666-95B8-390900AB8124}" type="presOf" srcId="{EAB81984-5B84-4970-8447-2B456B8C58DF}" destId="{3A252E36-3D7E-49E5-B812-EE4CACF0D5CF}" srcOrd="0" destOrd="0" presId="urn:microsoft.com/office/officeart/2008/layout/PictureGrid"/>
     <dgm:cxn modelId="{147A14B3-96E8-4139-969B-9DB1BCB4D95E}" type="presOf" srcId="{B75F6A3A-9A51-4DF3-8A57-9AEB0739425C}" destId="{B29ABF60-EC0F-45AD-A90E-9C76D15C2F14}" srcOrd="0" destOrd="0" presId="urn:microsoft.com/office/officeart/2008/layout/PictureGrid"/>
+    <dgm:cxn modelId="{017518C9-1619-4B19-AA03-86BA999BA287}" srcId="{EAB81984-5B84-4970-8447-2B456B8C58DF}" destId="{B75F6A3A-9A51-4DF3-8A57-9AEB0739425C}" srcOrd="0" destOrd="0" parTransId="{203596AF-4F49-40BA-B1E1-11BDD34B512E}" sibTransId="{A056157B-3867-49A4-9195-F3A4F3FBBA8E}"/>
     <dgm:cxn modelId="{D3458AFA-605E-43EE-8C8A-0E0C1E3CD931}" type="presParOf" srcId="{3A252E36-3D7E-49E5-B812-EE4CACF0D5CF}" destId="{CF6D50B3-578A-4EA0-A5A0-492FA729F6ED}" srcOrd="0" destOrd="0" presId="urn:microsoft.com/office/officeart/2008/layout/PictureGrid"/>
     <dgm:cxn modelId="{9835F3F3-3E30-4AC4-AD89-BC095FA9A878}" type="presParOf" srcId="{CF6D50B3-578A-4EA0-A5A0-492FA729F6ED}" destId="{B29ABF60-EC0F-45AD-A90E-9C76D15C2F14}" srcOrd="0" destOrd="0" presId="urn:microsoft.com/office/officeart/2008/layout/PictureGrid"/>
     <dgm:cxn modelId="{70FA379F-7827-49B9-806E-1FD72CAE8F89}" type="presParOf" srcId="{CF6D50B3-578A-4EA0-A5A0-492FA729F6ED}" destId="{61EB78D8-69FF-471D-8FEB-71388C442F55}" srcOrd="1" destOrd="0" presId="urn:microsoft.com/office/officeart/2008/layout/PictureGrid"/>
@@ -2576,9 +2581,9 @@
     </dgm:pt>
   </dgm:ptLst>
   <dgm:cxnLst>
-    <dgm:cxn modelId="{017518C9-1619-4B19-AA03-86BA999BA287}" srcId="{EAB81984-5B84-4970-8447-2B456B8C58DF}" destId="{B75F6A3A-9A51-4DF3-8A57-9AEB0739425C}" srcOrd="0" destOrd="0" parTransId="{203596AF-4F49-40BA-B1E1-11BDD34B512E}" sibTransId="{A056157B-3867-49A4-9195-F3A4F3FBBA8E}"/>
     <dgm:cxn modelId="{1CEAA455-5BF4-4666-95B8-390900AB8124}" type="presOf" srcId="{EAB81984-5B84-4970-8447-2B456B8C58DF}" destId="{3A252E36-3D7E-49E5-B812-EE4CACF0D5CF}" srcOrd="0" destOrd="0" presId="urn:microsoft.com/office/officeart/2008/layout/PictureGrid"/>
     <dgm:cxn modelId="{147A14B3-96E8-4139-969B-9DB1BCB4D95E}" type="presOf" srcId="{B75F6A3A-9A51-4DF3-8A57-9AEB0739425C}" destId="{B29ABF60-EC0F-45AD-A90E-9C76D15C2F14}" srcOrd="0" destOrd="0" presId="urn:microsoft.com/office/officeart/2008/layout/PictureGrid"/>
+    <dgm:cxn modelId="{017518C9-1619-4B19-AA03-86BA999BA287}" srcId="{EAB81984-5B84-4970-8447-2B456B8C58DF}" destId="{B75F6A3A-9A51-4DF3-8A57-9AEB0739425C}" srcOrd="0" destOrd="0" parTransId="{203596AF-4F49-40BA-B1E1-11BDD34B512E}" sibTransId="{A056157B-3867-49A4-9195-F3A4F3FBBA8E}"/>
     <dgm:cxn modelId="{D3458AFA-605E-43EE-8C8A-0E0C1E3CD931}" type="presParOf" srcId="{3A252E36-3D7E-49E5-B812-EE4CACF0D5CF}" destId="{CF6D50B3-578A-4EA0-A5A0-492FA729F6ED}" srcOrd="0" destOrd="0" presId="urn:microsoft.com/office/officeart/2008/layout/PictureGrid"/>
     <dgm:cxn modelId="{9835F3F3-3E30-4AC4-AD89-BC095FA9A878}" type="presParOf" srcId="{CF6D50B3-578A-4EA0-A5A0-492FA729F6ED}" destId="{B29ABF60-EC0F-45AD-A90E-9C76D15C2F14}" srcOrd="0" destOrd="0" presId="urn:microsoft.com/office/officeart/2008/layout/PictureGrid"/>
     <dgm:cxn modelId="{70FA379F-7827-49B9-806E-1FD72CAE8F89}" type="presParOf" srcId="{CF6D50B3-578A-4EA0-A5A0-492FA729F6ED}" destId="{61EB78D8-69FF-471D-8FEB-71388C442F55}" srcOrd="1" destOrd="0" presId="urn:microsoft.com/office/officeart/2008/layout/PictureGrid"/>
@@ -2704,8 +2709,8 @@
     </dgm:pt>
   </dgm:ptLst>
   <dgm:cxnLst>
+    <dgm:cxn modelId="{A9E27516-E8E4-42A7-A155-024D48E79559}" type="presOf" srcId="{8F66C165-B39F-46D3-B19F-623799541DD3}" destId="{B6F028CB-F170-4FEF-BC3A-25F0E90D434A}" srcOrd="0" destOrd="0" presId="urn:microsoft.com/office/officeart/2008/layout/PictureGrid"/>
     <dgm:cxn modelId="{A177C822-7566-4410-A889-706A6CE15148}" srcId="{8F66C165-B39F-46D3-B19F-623799541DD3}" destId="{9C9C0585-42CE-4F34-A2BB-F1377DA03788}" srcOrd="0" destOrd="0" parTransId="{4E5DCF2B-AAE7-41E2-837F-518128C03597}" sibTransId="{56F70C7F-1925-4DBA-9BD6-AF5E91799A59}"/>
-    <dgm:cxn modelId="{A9E27516-E8E4-42A7-A155-024D48E79559}" type="presOf" srcId="{8F66C165-B39F-46D3-B19F-623799541DD3}" destId="{B6F028CB-F170-4FEF-BC3A-25F0E90D434A}" srcOrd="0" destOrd="0" presId="urn:microsoft.com/office/officeart/2008/layout/PictureGrid"/>
     <dgm:cxn modelId="{ACD53F50-5BA1-48C9-B5DF-09BF6DA4DE65}" type="presOf" srcId="{9C9C0585-42CE-4F34-A2BB-F1377DA03788}" destId="{A30F2283-C0A4-4A69-BCBE-833D967155A2}" srcOrd="0" destOrd="0" presId="urn:microsoft.com/office/officeart/2008/layout/PictureGrid"/>
     <dgm:cxn modelId="{CC189C1C-06A1-4F03-B886-67BF46A53703}" type="presParOf" srcId="{B6F028CB-F170-4FEF-BC3A-25F0E90D434A}" destId="{65D73C51-61AB-436D-8191-975603FC9C68}" srcOrd="0" destOrd="0" presId="urn:microsoft.com/office/officeart/2008/layout/PictureGrid"/>
     <dgm:cxn modelId="{CD7DB92E-B84F-43A0-AC2D-FBBFB40722EE}" type="presParOf" srcId="{65D73C51-61AB-436D-8191-975603FC9C68}" destId="{A30F2283-C0A4-4A69-BCBE-833D967155A2}" srcOrd="0" destOrd="0" presId="urn:microsoft.com/office/officeart/2008/layout/PictureGrid"/>
@@ -7085,7 +7090,7 @@
           <a:p>
             <a:fld id="{CE3BC3F9-9C5B-4717-9F59-36DC790402FE}" type="datetimeFigureOut">
               <a:rPr lang="ru-RU" smtClean="0"/>
-              <a:t>09.10.2016</a:t>
+              <a:t>05.06.2017</a:t>
             </a:fld>
             <a:endParaRPr lang="ru-RU"/>
           </a:p>
@@ -7250,7 +7255,7 @@
           <a:p>
             <a:fld id="{BBBAA9EB-8042-420D-843C-EBFC35DD9FFD}" type="datetimeFigureOut">
               <a:rPr lang="ru-RU" smtClean="0"/>
-              <a:t>09.10.2016</a:t>
+              <a:t>05.06.2017</a:t>
             </a:fld>
             <a:endParaRPr lang="ru-RU"/>
           </a:p>
@@ -13190,7 +13195,7 @@
                   <a:latin typeface="Segoe UI" panose="020B0502040204020203" pitchFamily="34" charset="0"/>
                   <a:cs typeface="Segoe UI" panose="020B0502040204020203" pitchFamily="34" charset="0"/>
                 </a:rPr>
-                <a:t>после курса оставь обратную связь</a:t>
+                <a:t>после оставь обратную связь</a:t>
               </a:r>
               <a:endParaRPr lang="en-US" sz="2400" dirty="0">
                 <a:solidFill>
@@ -13531,27 +13536,9 @@
               <a:buNone/>
             </a:pPr>
             <a:r>
-              <a:rPr lang="ru-RU" dirty="0"/>
-              <a:t>4 дня</a:t>
+              <a:rPr lang="en-US" dirty="0"/>
+              <a:t>Testing</a:t>
             </a:r>
-            <a:r>
-              <a:rPr lang="en-US" dirty="0"/>
-              <a:t> </a:t>
-            </a:r>
-            <a:r>
-              <a:rPr lang="ru-RU" dirty="0"/>
-              <a:t>практики + </a:t>
-            </a:r>
-            <a:r>
-              <a:rPr lang="ru-RU" dirty="0" err="1"/>
-              <a:t>домашка</a:t>
-            </a:r>
-            <a:endParaRPr lang="ru-RU" dirty="0"/>
-          </a:p>
-          <a:p>
-            <a:pPr marL="0" indent="0">
-              <a:buNone/>
-            </a:pPr>
             <a:endParaRPr lang="ru-RU" dirty="0"/>
           </a:p>
           <a:p>
@@ -13560,11 +13547,7 @@
             </a:pPr>
             <a:r>
               <a:rPr lang="en-US" dirty="0"/>
-              <a:t>Clean Code</a:t>
-            </a:r>
-            <a:r>
-              <a:rPr lang="ru-RU" dirty="0"/>
-              <a:t> </a:t>
+              <a:t>LINQ </a:t>
             </a:r>
             <a:r>
               <a:rPr lang="ru-RU" dirty="0">
@@ -13580,57 +13563,14 @@
             </a:r>
             <a:r>
               <a:rPr lang="en-US" dirty="0"/>
-              <a:t>Fluent API</a:t>
-            </a:r>
-            <a:r>
-              <a:rPr lang="ru-RU" dirty="0"/>
-              <a:t> </a:t>
-            </a:r>
-            <a:r>
-              <a:rPr lang="ru-RU" dirty="0">
-                <a:solidFill>
-                  <a:schemeClr val="accent1"/>
-                </a:solidFill>
-              </a:rPr>
-              <a:t>/</a:t>
-            </a:r>
-            <a:r>
-              <a:rPr lang="ru-RU" dirty="0"/>
-              <a:t> </a:t>
-            </a:r>
-            <a:r>
-              <a:rPr lang="en-US" dirty="0"/>
-              <a:t>LINQ</a:t>
+              <a:t>Clean Code</a:t>
             </a:r>
           </a:p>
           <a:p>
             <a:pPr marL="0" indent="0">
               <a:buNone/>
             </a:pPr>
-            <a:r>
-              <a:rPr lang="en-US"/>
-              <a:t>Testing</a:t>
-            </a:r>
-            <a:r>
-              <a:rPr lang="ru-RU"/>
-              <a:t> </a:t>
-            </a:r>
-            <a:r>
-              <a:rPr lang="ru-RU" dirty="0">
-                <a:solidFill>
-                  <a:schemeClr val="accent1"/>
-                </a:solidFill>
-              </a:rPr>
-              <a:t>/</a:t>
-            </a:r>
-            <a:r>
-              <a:rPr lang="ru-RU" dirty="0"/>
-              <a:t> </a:t>
-            </a:r>
-            <a:r>
-              <a:rPr lang="en-US" dirty="0"/>
-              <a:t>TDD</a:t>
-            </a:r>
+            <a:endParaRPr lang="en-US" dirty="0"/>
           </a:p>
           <a:p>
             <a:pPr marL="0" indent="0">
@@ -13660,26 +13600,7 @@
               <a:rPr lang="en-US" dirty="0"/>
               <a:t>DI Container</a:t>
             </a:r>
-            <a:r>
-              <a:rPr lang="ru-RU" dirty="0"/>
-              <a:t> </a:t>
-            </a:r>
-            <a:r>
-              <a:rPr lang="ru-RU" dirty="0">
-                <a:solidFill>
-                  <a:schemeClr val="accent1"/>
-                </a:solidFill>
-              </a:rPr>
-              <a:t>/</a:t>
-            </a:r>
-            <a:r>
-              <a:rPr lang="ru-RU" dirty="0"/>
-              <a:t> </a:t>
-            </a:r>
-            <a:r>
-              <a:rPr lang="en-US" dirty="0"/>
-              <a:t>Mocks</a:t>
-            </a:r>
+            <a:endParaRPr lang="ru-RU" dirty="0"/>
           </a:p>
           <a:p>
             <a:pPr marL="0" indent="0">
@@ -13687,28 +13608,29 @@
             </a:pPr>
             <a:r>
               <a:rPr lang="en-US" dirty="0"/>
-              <a:t>Legacy</a:t>
+              <a:t>Mocks</a:t>
+            </a:r>
+            <a:endParaRPr lang="ru-RU" dirty="0"/>
+          </a:p>
+          <a:p>
+            <a:pPr marL="0" indent="0">
+              <a:buNone/>
+            </a:pPr>
+            <a:endParaRPr lang="ru-RU" dirty="0"/>
+          </a:p>
+          <a:p>
+            <a:pPr marL="0" indent="0">
+              <a:buNone/>
+            </a:pPr>
+            <a:r>
+              <a:rPr lang="ru-RU" dirty="0"/>
+              <a:t>Итого: 4 практики + </a:t>
             </a:r>
             <a:r>
-              <a:rPr lang="ru-RU" dirty="0"/>
-              <a:t> </a:t>
+              <a:rPr lang="ru-RU" dirty="0" err="1"/>
+              <a:t>домашка</a:t>
             </a:r>
-            <a:r>
-              <a:rPr lang="ru-RU" dirty="0">
-                <a:solidFill>
-                  <a:schemeClr val="accent1"/>
-                </a:solidFill>
-              </a:rPr>
-              <a:t>/</a:t>
-            </a:r>
-            <a:r>
-              <a:rPr lang="ru-RU" dirty="0"/>
-              <a:t> </a:t>
-            </a:r>
-            <a:r>
-              <a:rPr lang="en-US" dirty="0"/>
-              <a:t>FP</a:t>
-            </a:r>
+            <a:endParaRPr lang="ru-RU" dirty="0"/>
           </a:p>
         </p:txBody>
       </p:sp>
@@ -13729,7 +13651,7 @@
           <a:p>
             <a:r>
               <a:rPr lang="ru-RU" dirty="0"/>
-              <a:t>Состав курса</a:t>
+              <a:t>БАЗОВЫЕ ТЕМЫ</a:t>
             </a:r>
             <a:endParaRPr lang="en-US" dirty="0"/>
           </a:p>
@@ -13749,6 +13671,142 @@
 </file>
 
 <file path=ppt/slides/slide6.xml><?xml version="1.0" encoding="utf-8"?>
+<p:sld xmlns:a="http://schemas.openxmlformats.org/drawingml/2006/main" xmlns:r="http://schemas.openxmlformats.org/officeDocument/2006/relationships" xmlns:p="http://schemas.openxmlformats.org/presentationml/2006/main">
+  <p:cSld>
+    <p:spTree>
+      <p:nvGrpSpPr>
+        <p:cNvPr id="1" name=""/>
+        <p:cNvGrpSpPr/>
+        <p:nvPr/>
+      </p:nvGrpSpPr>
+      <p:grpSpPr>
+        <a:xfrm>
+          <a:off x="0" y="0"/>
+          <a:ext cx="0" cy="0"/>
+          <a:chOff x="0" y="0"/>
+          <a:chExt cx="0" cy="0"/>
+        </a:xfrm>
+      </p:grpSpPr>
+      <p:sp>
+        <p:nvSpPr>
+          <p:cNvPr id="2" name="Объект 1"/>
+          <p:cNvSpPr>
+            <a:spLocks noGrp="1"/>
+          </p:cNvSpPr>
+          <p:nvPr>
+            <p:ph sz="quarter" idx="13"/>
+          </p:nvPr>
+        </p:nvSpPr>
+        <p:spPr/>
+        <p:txBody>
+          <a:bodyPr/>
+          <a:lstStyle/>
+          <a:p>
+            <a:pPr marL="0" indent="0">
+              <a:buNone/>
+            </a:pPr>
+            <a:r>
+              <a:rPr lang="ru-RU" dirty="0"/>
+              <a:t>Обработка исключений</a:t>
+            </a:r>
+          </a:p>
+          <a:p>
+            <a:pPr marL="0" indent="0">
+              <a:buNone/>
+            </a:pPr>
+            <a:r>
+              <a:rPr lang="ru-RU" dirty="0"/>
+              <a:t>TDD</a:t>
+            </a:r>
+          </a:p>
+          <a:p>
+            <a:pPr marL="0" indent="0">
+              <a:buNone/>
+            </a:pPr>
+            <a:r>
+              <a:rPr lang="ru-RU" dirty="0" err="1"/>
+              <a:t>Fluent</a:t>
+            </a:r>
+            <a:r>
+              <a:rPr lang="ru-RU" dirty="0"/>
+              <a:t> API</a:t>
+            </a:r>
+          </a:p>
+          <a:p>
+            <a:pPr marL="0" indent="0">
+              <a:buNone/>
+            </a:pPr>
+            <a:r>
+              <a:rPr lang="ru-RU" dirty="0"/>
+              <a:t>Унаследованный код</a:t>
+            </a:r>
+          </a:p>
+          <a:p>
+            <a:pPr marL="0" indent="0">
+              <a:buNone/>
+            </a:pPr>
+            <a:r>
+              <a:rPr lang="ru-RU" dirty="0"/>
+              <a:t>Элементы функционального программирования</a:t>
+            </a:r>
+          </a:p>
+          <a:p>
+            <a:pPr marL="0" indent="0">
+              <a:buNone/>
+            </a:pPr>
+            <a:r>
+              <a:rPr lang="ru-RU" dirty="0">
+                <a:solidFill>
+                  <a:schemeClr val="accent1"/>
+                </a:solidFill>
+              </a:rPr>
+              <a:t>…</a:t>
+            </a:r>
+            <a:endParaRPr lang="en-US" dirty="0">
+              <a:solidFill>
+                <a:schemeClr val="accent1"/>
+              </a:solidFill>
+            </a:endParaRPr>
+          </a:p>
+        </p:txBody>
+      </p:sp>
+      <p:sp>
+        <p:nvSpPr>
+          <p:cNvPr id="3" name="Заголовок 2"/>
+          <p:cNvSpPr>
+            <a:spLocks noGrp="1"/>
+          </p:cNvSpPr>
+          <p:nvPr>
+            <p:ph type="title"/>
+          </p:nvPr>
+        </p:nvSpPr>
+        <p:spPr/>
+        <p:txBody>
+          <a:bodyPr/>
+          <a:lstStyle/>
+          <a:p>
+            <a:r>
+              <a:rPr lang="ru-RU" dirty="0"/>
+              <a:t>Последующие темы</a:t>
+            </a:r>
+            <a:endParaRPr lang="en-US" dirty="0"/>
+          </a:p>
+        </p:txBody>
+      </p:sp>
+    </p:spTree>
+    <p:extLst>
+      <p:ext uri="{BB962C8B-B14F-4D97-AF65-F5344CB8AC3E}">
+        <p14:creationId xmlns:p14="http://schemas.microsoft.com/office/powerpoint/2010/main" val="2933045228"/>
+      </p:ext>
+    </p:extLst>
+  </p:cSld>
+  <p:clrMapOvr>
+    <a:masterClrMapping/>
+  </p:clrMapOvr>
+</p:sld>
+</file>
+
+<file path=ppt/slides/slide7.xml><?xml version="1.0" encoding="utf-8"?>
 <p:sld xmlns:a="http://schemas.openxmlformats.org/drawingml/2006/main" xmlns:r="http://schemas.openxmlformats.org/officeDocument/2006/relationships" xmlns:p="http://schemas.openxmlformats.org/presentationml/2006/main">
   <p:cSld>
     <p:spTree>
@@ -14883,73 +14941,6 @@
 </file>
 
 <file path=customXml/item1.xml><?xml version="1.0" encoding="utf-8"?>
-<?mso-contentType ?>
-<spe:Receivers xmlns:spe="http://schemas.microsoft.com/sharepoint/events">
-  <Receiver>
-    <Name>Document ID Generator</Name>
-    <Synchronization>Synchronous</Synchronization>
-    <Type>10001</Type>
-    <SequenceNumber>1000</SequenceNumber>
-    <Assembly>Microsoft.Office.DocumentManagement, Version=14.0.0.0, Culture=neutral, PublicKeyToken=71e9bce111e9429c</Assembly>
-    <Class>Microsoft.Office.DocumentManagement.Internal.DocIdHandler</Class>
-    <Data/>
-    <Filter/>
-  </Receiver>
-  <Receiver>
-    <Name>Document ID Generator</Name>
-    <Synchronization>Synchronous</Synchronization>
-    <Type>10002</Type>
-    <SequenceNumber>1001</SequenceNumber>
-    <Assembly>Microsoft.Office.DocumentManagement, Version=14.0.0.0, Culture=neutral, PublicKeyToken=71e9bce111e9429c</Assembly>
-    <Class>Microsoft.Office.DocumentManagement.Internal.DocIdHandler</Class>
-    <Data/>
-    <Filter/>
-  </Receiver>
-  <Receiver>
-    <Name>Document ID Generator</Name>
-    <Synchronization>Synchronous</Synchronization>
-    <Type>10004</Type>
-    <SequenceNumber>1002</SequenceNumber>
-    <Assembly>Microsoft.Office.DocumentManagement, Version=14.0.0.0, Culture=neutral, PublicKeyToken=71e9bce111e9429c</Assembly>
-    <Class>Microsoft.Office.DocumentManagement.Internal.DocIdHandler</Class>
-    <Data/>
-    <Filter/>
-  </Receiver>
-  <Receiver>
-    <Name>Document ID Generator</Name>
-    <Synchronization>Synchronous</Synchronization>
-    <Type>10006</Type>
-    <SequenceNumber>1003</SequenceNumber>
-    <Assembly>Microsoft.Office.DocumentManagement, Version=14.0.0.0, Culture=neutral, PublicKeyToken=71e9bce111e9429c</Assembly>
-    <Class>Microsoft.Office.DocumentManagement.Internal.DocIdHandler</Class>
-    <Data/>
-    <Filter/>
-  </Receiver>
-</spe:Receivers>
-</file>
-
-<file path=customXml/item2.xml><?xml version="1.0" encoding="utf-8"?>
-<?mso-contentType ?>
-<FormTemplates xmlns="http://schemas.microsoft.com/sharepoint/v3/contenttype/forms">
-  <Display>DocumentLibraryForm</Display>
-  <Edit>DocumentLibraryForm</Edit>
-  <New>DocumentLibraryForm</New>
-</FormTemplates>
-</file>
-
-<file path=customXml/item3.xml><?xml version="1.0" encoding="utf-8"?>
-<p:properties xmlns:p="http://schemas.microsoft.com/office/2006/metadata/properties" xmlns:xsi="http://www.w3.org/2001/XMLSchema-instance" xmlns:pc="http://schemas.microsoft.com/office/infopath/2007/PartnerControls">
-  <documentManagement>
-    <_dlc_DocId xmlns="0c9149cd-f996-4d9e-91c9-ce8e5945528f">KQK76PRV35WE-1143-163</_dlc_DocId>
-    <_dlc_DocIdUrl xmlns="0c9149cd-f996-4d9e-91c9-ce8e5945528f">
-      <Url>https://sps.skbkontur.ru/Services/officespace/_layouts/DocIdRedir.aspx?ID=KQK76PRV35WE-1143-163</Url>
-      <Description>KQK76PRV35WE-1143-163</Description>
-    </_dlc_DocIdUrl>
-  </documentManagement>
-</p:properties>
-</file>
-
-<file path=customXml/item4.xml><?xml version="1.0" encoding="utf-8"?>
 <ct:contentTypeSchema xmlns:ct="http://schemas.microsoft.com/office/2006/metadata/contentType" xmlns:ma="http://schemas.microsoft.com/office/2006/metadata/properties/metaAttributes" ct:_="" ma:_="" ma:contentTypeName="Документ" ma:contentTypeID="0x010100E346D4429ECB76409F7994AE89987FCA" ma:contentTypeVersion="0" ma:contentTypeDescription="Создание документа." ma:contentTypeScope="" ma:versionID="3cbcf180bdc4db4d624f0fe699415cfd">
   <xsd:schema xmlns:xsd="http://www.w3.org/2001/XMLSchema" xmlns:xs="http://www.w3.org/2001/XMLSchema" xmlns:p="http://schemas.microsoft.com/office/2006/metadata/properties" xmlns:ns2="0c9149cd-f996-4d9e-91c9-ce8e5945528f" targetNamespace="http://schemas.microsoft.com/office/2006/metadata/properties" ma:root="true" ma:fieldsID="8c6f0fecba2eaac0d733b3b653b3f5ff" ns2:_="">
     <xsd:import namespace="0c9149cd-f996-4d9e-91c9-ce8e5945528f"/>
@@ -15094,23 +15085,92 @@
 </ct:contentTypeSchema>
 </file>
 
+<file path=customXml/item2.xml><?xml version="1.0" encoding="utf-8"?>
+<p:properties xmlns:p="http://schemas.microsoft.com/office/2006/metadata/properties" xmlns:xsi="http://www.w3.org/2001/XMLSchema-instance" xmlns:pc="http://schemas.microsoft.com/office/infopath/2007/PartnerControls">
+  <documentManagement>
+    <_dlc_DocId xmlns="0c9149cd-f996-4d9e-91c9-ce8e5945528f">KQK76PRV35WE-1143-163</_dlc_DocId>
+    <_dlc_DocIdUrl xmlns="0c9149cd-f996-4d9e-91c9-ce8e5945528f">
+      <Url>https://sps.skbkontur.ru/Services/officespace/_layouts/DocIdRedir.aspx?ID=KQK76PRV35WE-1143-163</Url>
+      <Description>KQK76PRV35WE-1143-163</Description>
+    </_dlc_DocIdUrl>
+  </documentManagement>
+</p:properties>
+</file>
+
+<file path=customXml/item3.xml><?xml version="1.0" encoding="utf-8"?>
+<?mso-contentType ?>
+<FormTemplates xmlns="http://schemas.microsoft.com/sharepoint/v3/contenttype/forms">
+  <Display>DocumentLibraryForm</Display>
+  <Edit>DocumentLibraryForm</Edit>
+  <New>DocumentLibraryForm</New>
+</FormTemplates>
+</file>
+
+<file path=customXml/item4.xml><?xml version="1.0" encoding="utf-8"?>
+<?mso-contentType ?>
+<spe:Receivers xmlns:spe="http://schemas.microsoft.com/sharepoint/events">
+  <Receiver>
+    <Name>Document ID Generator</Name>
+    <Synchronization>Synchronous</Synchronization>
+    <Type>10001</Type>
+    <SequenceNumber>1000</SequenceNumber>
+    <Assembly>Microsoft.Office.DocumentManagement, Version=14.0.0.0, Culture=neutral, PublicKeyToken=71e9bce111e9429c</Assembly>
+    <Class>Microsoft.Office.DocumentManagement.Internal.DocIdHandler</Class>
+    <Data/>
+    <Filter/>
+  </Receiver>
+  <Receiver>
+    <Name>Document ID Generator</Name>
+    <Synchronization>Synchronous</Synchronization>
+    <Type>10002</Type>
+    <SequenceNumber>1001</SequenceNumber>
+    <Assembly>Microsoft.Office.DocumentManagement, Version=14.0.0.0, Culture=neutral, PublicKeyToken=71e9bce111e9429c</Assembly>
+    <Class>Microsoft.Office.DocumentManagement.Internal.DocIdHandler</Class>
+    <Data/>
+    <Filter/>
+  </Receiver>
+  <Receiver>
+    <Name>Document ID Generator</Name>
+    <Synchronization>Synchronous</Synchronization>
+    <Type>10004</Type>
+    <SequenceNumber>1002</SequenceNumber>
+    <Assembly>Microsoft.Office.DocumentManagement, Version=14.0.0.0, Culture=neutral, PublicKeyToken=71e9bce111e9429c</Assembly>
+    <Class>Microsoft.Office.DocumentManagement.Internal.DocIdHandler</Class>
+    <Data/>
+    <Filter/>
+  </Receiver>
+  <Receiver>
+    <Name>Document ID Generator</Name>
+    <Synchronization>Synchronous</Synchronization>
+    <Type>10006</Type>
+    <SequenceNumber>1003</SequenceNumber>
+    <Assembly>Microsoft.Office.DocumentManagement, Version=14.0.0.0, Culture=neutral, PublicKeyToken=71e9bce111e9429c</Assembly>
+    <Class>Microsoft.Office.DocumentManagement.Internal.DocIdHandler</Class>
+    <Data/>
+    <Filter/>
+  </Receiver>
+</spe:Receivers>
+</file>
+
 <file path=customXml/itemProps1.xml><?xml version="1.0" encoding="utf-8"?>
-<ds:datastoreItem xmlns:ds="http://schemas.openxmlformats.org/officeDocument/2006/customXml" ds:itemID="{4D57F3B4-626C-48E6-A3BF-29668BFEB3E8}">
+<ds:datastoreItem xmlns:ds="http://schemas.openxmlformats.org/officeDocument/2006/customXml" ds:itemID="{392A0E88-C45E-4035-ACB1-85AF74E6A851}">
   <ds:schemaRefs>
-    <ds:schemaRef ds:uri="http://schemas.microsoft.com/sharepoint/events"/>
+    <ds:schemaRef ds:uri="http://schemas.microsoft.com/office/2006/metadata/contentType"/>
+    <ds:schemaRef ds:uri="http://schemas.microsoft.com/office/2006/metadata/properties/metaAttributes"/>
+    <ds:schemaRef ds:uri="http://www.w3.org/2001/XMLSchema"/>
+    <ds:schemaRef ds:uri="http://schemas.microsoft.com/office/2006/metadata/properties"/>
+    <ds:schemaRef ds:uri="0c9149cd-f996-4d9e-91c9-ce8e5945528f"/>
+    <ds:schemaRef ds:uri="http://schemas.microsoft.com/office/2006/documentManagement/types"/>
+    <ds:schemaRef ds:uri="http://schemas.microsoft.com/office/infopath/2007/PartnerControls"/>
+    <ds:schemaRef ds:uri="http://schemas.openxmlformats.org/package/2006/metadata/core-properties"/>
+    <ds:schemaRef ds:uri="http://purl.org/dc/elements/1.1/"/>
+    <ds:schemaRef ds:uri="http://purl.org/dc/terms/"/>
+    <ds:schemaRef ds:uri="http://schemas.microsoft.com/internal/obd"/>
   </ds:schemaRefs>
 </ds:datastoreItem>
 </file>
 
 <file path=customXml/itemProps2.xml><?xml version="1.0" encoding="utf-8"?>
-<ds:datastoreItem xmlns:ds="http://schemas.openxmlformats.org/officeDocument/2006/customXml" ds:itemID="{3C9FC0A9-D1C6-450E-992B-D3422A85EAB3}">
-  <ds:schemaRefs>
-    <ds:schemaRef ds:uri="http://schemas.microsoft.com/sharepoint/v3/contenttype/forms"/>
-  </ds:schemaRefs>
-</ds:datastoreItem>
-</file>
-
-<file path=customXml/itemProps3.xml><?xml version="1.0" encoding="utf-8"?>
 <ds:datastoreItem xmlns:ds="http://schemas.openxmlformats.org/officeDocument/2006/customXml" ds:itemID="{45CE6859-96AE-4F55-91FD-B1143C1F920F}">
   <ds:schemaRefs>
     <ds:schemaRef ds:uri="http://purl.org/dc/dcmitype/"/>
@@ -15126,20 +15186,18 @@
 </ds:datastoreItem>
 </file>
 
+<file path=customXml/itemProps3.xml><?xml version="1.0" encoding="utf-8"?>
+<ds:datastoreItem xmlns:ds="http://schemas.openxmlformats.org/officeDocument/2006/customXml" ds:itemID="{3C9FC0A9-D1C6-450E-992B-D3422A85EAB3}">
+  <ds:schemaRefs>
+    <ds:schemaRef ds:uri="http://schemas.microsoft.com/sharepoint/v3/contenttype/forms"/>
+  </ds:schemaRefs>
+</ds:datastoreItem>
+</file>
+
 <file path=customXml/itemProps4.xml><?xml version="1.0" encoding="utf-8"?>
-<ds:datastoreItem xmlns:ds="http://schemas.openxmlformats.org/officeDocument/2006/customXml" ds:itemID="{392A0E88-C45E-4035-ACB1-85AF74E6A851}">
+<ds:datastoreItem xmlns:ds="http://schemas.openxmlformats.org/officeDocument/2006/customXml" ds:itemID="{4D57F3B4-626C-48E6-A3BF-29668BFEB3E8}">
   <ds:schemaRefs>
-    <ds:schemaRef ds:uri="http://schemas.microsoft.com/office/2006/metadata/contentType"/>
-    <ds:schemaRef ds:uri="http://schemas.microsoft.com/office/2006/metadata/properties/metaAttributes"/>
-    <ds:schemaRef ds:uri="http://www.w3.org/2001/XMLSchema"/>
-    <ds:schemaRef ds:uri="http://schemas.microsoft.com/office/2006/metadata/properties"/>
-    <ds:schemaRef ds:uri="0c9149cd-f996-4d9e-91c9-ce8e5945528f"/>
-    <ds:schemaRef ds:uri="http://schemas.microsoft.com/office/2006/documentManagement/types"/>
-    <ds:schemaRef ds:uri="http://schemas.microsoft.com/office/infopath/2007/PartnerControls"/>
-    <ds:schemaRef ds:uri="http://schemas.openxmlformats.org/package/2006/metadata/core-properties"/>
-    <ds:schemaRef ds:uri="http://purl.org/dc/elements/1.1/"/>
-    <ds:schemaRef ds:uri="http://purl.org/dc/terms/"/>
-    <ds:schemaRef ds:uri="http://schemas.microsoft.com/internal/obd"/>
+    <ds:schemaRef ds:uri="http://schemas.microsoft.com/sharepoint/events"/>
   </ds:schemaRefs>
 </ds:datastoreItem>
 </file>
--- a/starter.pptx
+++ b/starter.pptx
@@ -7090,7 +7090,7 @@
           <a:p>
             <a:fld id="{CE3BC3F9-9C5B-4717-9F59-36DC790402FE}" type="datetimeFigureOut">
               <a:rPr lang="ru-RU" smtClean="0"/>
-              <a:t>05.06.2017</a:t>
+              <a:t>08.08.2017</a:t>
             </a:fld>
             <a:endParaRPr lang="ru-RU"/>
           </a:p>
@@ -7255,7 +7255,7 @@
           <a:p>
             <a:fld id="{BBBAA9EB-8042-420D-843C-EBFC35DD9FFD}" type="datetimeFigureOut">
               <a:rPr lang="ru-RU" smtClean="0"/>
-              <a:t>05.06.2017</a:t>
+              <a:t>08.08.2017</a:t>
             </a:fld>
             <a:endParaRPr lang="ru-RU"/>
           </a:p>
@@ -12637,7 +12637,7 @@
                   <a:latin typeface="Segoe UI" panose="020B0502040204020203" pitchFamily="34" charset="0"/>
                   <a:cs typeface="Segoe UI" panose="020B0502040204020203" pitchFamily="34" charset="0"/>
                 </a:rPr>
-                <a:t>не смотри ответы в папках </a:t>
+                <a:t>не смотри ответы в </a:t>
               </a:r>
               <a:r>
                 <a:rPr lang="en-US" sz="2000" dirty="0">
@@ -12647,7 +12647,27 @@
                   <a:latin typeface="Segoe UI" panose="020B0502040204020203" pitchFamily="34" charset="0"/>
                   <a:cs typeface="Segoe UI" panose="020B0502040204020203" pitchFamily="34" charset="0"/>
                 </a:rPr>
-                <a:t>Solved </a:t>
+                <a:t>Solved, </a:t>
+              </a:r>
+              <a:r>
+                <a:rPr lang="en-US" sz="2000" dirty="0" err="1">
+                  <a:solidFill>
+                    <a:srgbClr val="000000"/>
+                  </a:solidFill>
+                  <a:latin typeface="Segoe UI" panose="020B0502040204020203" pitchFamily="34" charset="0"/>
+                  <a:cs typeface="Segoe UI" panose="020B0502040204020203" pitchFamily="34" charset="0"/>
+                </a:rPr>
+                <a:t>ForTeacher</a:t>
+              </a:r>
+              <a:r>
+                <a:rPr lang="en-US" sz="2000" dirty="0">
+                  <a:solidFill>
+                    <a:srgbClr val="000000"/>
+                  </a:solidFill>
+                  <a:latin typeface="Segoe UI" panose="020B0502040204020203" pitchFamily="34" charset="0"/>
+                  <a:cs typeface="Segoe UI" panose="020B0502040204020203" pitchFamily="34" charset="0"/>
+                </a:rPr>
+                <a:t>,</a:t>
               </a:r>
               <a:r>
                 <a:rPr lang="ru-RU" sz="2000" dirty="0">
@@ -12657,7 +12677,7 @@
                   <a:latin typeface="Segoe UI" panose="020B0502040204020203" pitchFamily="34" charset="0"/>
                   <a:cs typeface="Segoe UI" panose="020B0502040204020203" pitchFamily="34" charset="0"/>
                 </a:rPr>
-                <a:t>и </a:t>
+                <a:t> </a:t>
               </a:r>
               <a:r>
                 <a:rPr lang="en-US" sz="2000" dirty="0" err="1">
@@ -14941,6 +14961,18 @@
 </file>
 
 <file path=customXml/item1.xml><?xml version="1.0" encoding="utf-8"?>
+<p:properties xmlns:p="http://schemas.microsoft.com/office/2006/metadata/properties" xmlns:xsi="http://www.w3.org/2001/XMLSchema-instance" xmlns:pc="http://schemas.microsoft.com/office/infopath/2007/PartnerControls">
+  <documentManagement>
+    <_dlc_DocId xmlns="0c9149cd-f996-4d9e-91c9-ce8e5945528f">KQK76PRV35WE-1143-163</_dlc_DocId>
+    <_dlc_DocIdUrl xmlns="0c9149cd-f996-4d9e-91c9-ce8e5945528f">
+      <Url>https://sps.skbkontur.ru/Services/officespace/_layouts/DocIdRedir.aspx?ID=KQK76PRV35WE-1143-163</Url>
+      <Description>KQK76PRV35WE-1143-163</Description>
+    </_dlc_DocIdUrl>
+  </documentManagement>
+</p:properties>
+</file>
+
+<file path=customXml/item2.xml><?xml version="1.0" encoding="utf-8"?>
 <ct:contentTypeSchema xmlns:ct="http://schemas.microsoft.com/office/2006/metadata/contentType" xmlns:ma="http://schemas.microsoft.com/office/2006/metadata/properties/metaAttributes" ct:_="" ma:_="" ma:contentTypeName="Документ" ma:contentTypeID="0x010100E346D4429ECB76409F7994AE89987FCA" ma:contentTypeVersion="0" ma:contentTypeDescription="Создание документа." ma:contentTypeScope="" ma:versionID="3cbcf180bdc4db4d624f0fe699415cfd">
   <xsd:schema xmlns:xsd="http://www.w3.org/2001/XMLSchema" xmlns:xs="http://www.w3.org/2001/XMLSchema" xmlns:p="http://schemas.microsoft.com/office/2006/metadata/properties" xmlns:ns2="0c9149cd-f996-4d9e-91c9-ce8e5945528f" targetNamespace="http://schemas.microsoft.com/office/2006/metadata/properties" ma:root="true" ma:fieldsID="8c6f0fecba2eaac0d733b3b653b3f5ff" ns2:_="">
     <xsd:import namespace="0c9149cd-f996-4d9e-91c9-ce8e5945528f"/>
@@ -15085,28 +15117,7 @@
 </ct:contentTypeSchema>
 </file>
 
-<file path=customXml/item2.xml><?xml version="1.0" encoding="utf-8"?>
-<p:properties xmlns:p="http://schemas.microsoft.com/office/2006/metadata/properties" xmlns:xsi="http://www.w3.org/2001/XMLSchema-instance" xmlns:pc="http://schemas.microsoft.com/office/infopath/2007/PartnerControls">
-  <documentManagement>
-    <_dlc_DocId xmlns="0c9149cd-f996-4d9e-91c9-ce8e5945528f">KQK76PRV35WE-1143-163</_dlc_DocId>
-    <_dlc_DocIdUrl xmlns="0c9149cd-f996-4d9e-91c9-ce8e5945528f">
-      <Url>https://sps.skbkontur.ru/Services/officespace/_layouts/DocIdRedir.aspx?ID=KQK76PRV35WE-1143-163</Url>
-      <Description>KQK76PRV35WE-1143-163</Description>
-    </_dlc_DocIdUrl>
-  </documentManagement>
-</p:properties>
-</file>
-
 <file path=customXml/item3.xml><?xml version="1.0" encoding="utf-8"?>
-<?mso-contentType ?>
-<FormTemplates xmlns="http://schemas.microsoft.com/sharepoint/v3/contenttype/forms">
-  <Display>DocumentLibraryForm</Display>
-  <Edit>DocumentLibraryForm</Edit>
-  <New>DocumentLibraryForm</New>
-</FormTemplates>
-</file>
-
-<file path=customXml/item4.xml><?xml version="1.0" encoding="utf-8"?>
 <?mso-contentType ?>
 <spe:Receivers xmlns:spe="http://schemas.microsoft.com/sharepoint/events">
   <Receiver>
@@ -15152,7 +15163,32 @@
 </spe:Receivers>
 </file>
 
+<file path=customXml/item4.xml><?xml version="1.0" encoding="utf-8"?>
+<?mso-contentType ?>
+<FormTemplates xmlns="http://schemas.microsoft.com/sharepoint/v3/contenttype/forms">
+  <Display>DocumentLibraryForm</Display>
+  <Edit>DocumentLibraryForm</Edit>
+  <New>DocumentLibraryForm</New>
+</FormTemplates>
+</file>
+
 <file path=customXml/itemProps1.xml><?xml version="1.0" encoding="utf-8"?>
+<ds:datastoreItem xmlns:ds="http://schemas.openxmlformats.org/officeDocument/2006/customXml" ds:itemID="{45CE6859-96AE-4F55-91FD-B1143C1F920F}">
+  <ds:schemaRefs>
+    <ds:schemaRef ds:uri="http://purl.org/dc/dcmitype/"/>
+    <ds:schemaRef ds:uri="http://schemas.microsoft.com/office/2006/documentManagement/types"/>
+    <ds:schemaRef ds:uri="http://purl.org/dc/elements/1.1/"/>
+    <ds:schemaRef ds:uri="http://schemas.microsoft.com/office/2006/metadata/properties"/>
+    <ds:schemaRef ds:uri="http://schemas.microsoft.com/office/infopath/2007/PartnerControls"/>
+    <ds:schemaRef ds:uri="0c9149cd-f996-4d9e-91c9-ce8e5945528f"/>
+    <ds:schemaRef ds:uri="http://purl.org/dc/terms/"/>
+    <ds:schemaRef ds:uri="http://schemas.openxmlformats.org/package/2006/metadata/core-properties"/>
+    <ds:schemaRef ds:uri="http://www.w3.org/XML/1998/namespace"/>
+  </ds:schemaRefs>
+</ds:datastoreItem>
+</file>
+
+<file path=customXml/itemProps2.xml><?xml version="1.0" encoding="utf-8"?>
 <ds:datastoreItem xmlns:ds="http://schemas.openxmlformats.org/officeDocument/2006/customXml" ds:itemID="{392A0E88-C45E-4035-ACB1-85AF74E6A851}">
   <ds:schemaRefs>
     <ds:schemaRef ds:uri="http://schemas.microsoft.com/office/2006/metadata/contentType"/>
@@ -15170,34 +15206,18 @@
 </ds:datastoreItem>
 </file>
 
-<file path=customXml/itemProps2.xml><?xml version="1.0" encoding="utf-8"?>
-<ds:datastoreItem xmlns:ds="http://schemas.openxmlformats.org/officeDocument/2006/customXml" ds:itemID="{45CE6859-96AE-4F55-91FD-B1143C1F920F}">
+<file path=customXml/itemProps3.xml><?xml version="1.0" encoding="utf-8"?>
+<ds:datastoreItem xmlns:ds="http://schemas.openxmlformats.org/officeDocument/2006/customXml" ds:itemID="{4D57F3B4-626C-48E6-A3BF-29668BFEB3E8}">
   <ds:schemaRefs>
-    <ds:schemaRef ds:uri="http://purl.org/dc/dcmitype/"/>
-    <ds:schemaRef ds:uri="http://schemas.microsoft.com/office/2006/documentManagement/types"/>
-    <ds:schemaRef ds:uri="http://purl.org/dc/elements/1.1/"/>
-    <ds:schemaRef ds:uri="http://schemas.microsoft.com/office/2006/metadata/properties"/>
-    <ds:schemaRef ds:uri="http://schemas.microsoft.com/office/infopath/2007/PartnerControls"/>
-    <ds:schemaRef ds:uri="0c9149cd-f996-4d9e-91c9-ce8e5945528f"/>
-    <ds:schemaRef ds:uri="http://purl.org/dc/terms/"/>
-    <ds:schemaRef ds:uri="http://schemas.openxmlformats.org/package/2006/metadata/core-properties"/>
-    <ds:schemaRef ds:uri="http://www.w3.org/XML/1998/namespace"/>
+    <ds:schemaRef ds:uri="http://schemas.microsoft.com/sharepoint/events"/>
   </ds:schemaRefs>
 </ds:datastoreItem>
 </file>
 
-<file path=customXml/itemProps3.xml><?xml version="1.0" encoding="utf-8"?>
+<file path=customXml/itemProps4.xml><?xml version="1.0" encoding="utf-8"?>
 <ds:datastoreItem xmlns:ds="http://schemas.openxmlformats.org/officeDocument/2006/customXml" ds:itemID="{3C9FC0A9-D1C6-450E-992B-D3422A85EAB3}">
   <ds:schemaRefs>
     <ds:schemaRef ds:uri="http://schemas.microsoft.com/sharepoint/v3/contenttype/forms"/>
   </ds:schemaRefs>
 </ds:datastoreItem>
-</file>
-
-<file path=customXml/itemProps4.xml><?xml version="1.0" encoding="utf-8"?>
-<ds:datastoreItem xmlns:ds="http://schemas.openxmlformats.org/officeDocument/2006/customXml" ds:itemID="{4D57F3B4-626C-48E6-A3BF-29668BFEB3E8}">
-  <ds:schemaRefs>
-    <ds:schemaRef ds:uri="http://schemas.microsoft.com/sharepoint/events"/>
-  </ds:schemaRefs>
-</ds:datastoreItem>
 </file>
--- a/starter.pptx
+++ b/starter.pptx
@@ -137,10 +137,6 @@
     </p:ext>
   </p:extLst>
 </p:presentation>
-</file>
-
-<file path=ppt/revisionInfo.xml><?xml version="1.0" encoding="utf-8"?>
-<p1510:revInfo xmlns:a="http://schemas.openxmlformats.org/drawingml/2006/main" xmlns:r="http://schemas.openxmlformats.org/officeDocument/2006/relationships" xmlns:p1510="http://schemas.microsoft.com/office/powerpoint/2015/10/main"/>
 </file>
 
 <file path=ppt/diagrams/colors1.xml><?xml version="1.0" encoding="utf-8"?>
@@ -7090,7 +7086,7 @@
           <a:p>
             <a:fld id="{CE3BC3F9-9C5B-4717-9F59-36DC790402FE}" type="datetimeFigureOut">
               <a:rPr lang="ru-RU" smtClean="0"/>
-              <a:t>08.08.2017</a:t>
+              <a:t>16.04.2018</a:t>
             </a:fld>
             <a:endParaRPr lang="ru-RU"/>
           </a:p>
@@ -7255,7 +7251,7 @@
           <a:p>
             <a:fld id="{BBBAA9EB-8042-420D-843C-EBFC35DD9FFD}" type="datetimeFigureOut">
               <a:rPr lang="ru-RU" smtClean="0"/>
-              <a:t>08.08.2017</a:t>
+              <a:t>16.04.2018</a:t>
             </a:fld>
             <a:endParaRPr lang="ru-RU"/>
           </a:p>
@@ -11784,13 +11780,10 @@
           <a:lstStyle/>
           <a:p>
             <a:r>
-              <a:rPr lang="en-US" dirty="0"/>
-              <a:t>C# </a:t>
-            </a:r>
-            <a:r>
-              <a:rPr lang="ru-RU" dirty="0"/>
+              <a:rPr lang="ru-RU"/>
               <a:t>РАЗРАБОТЧИКА</a:t>
             </a:r>
+            <a:endParaRPr lang="ru-RU" dirty="0"/>
           </a:p>
         </p:txBody>
       </p:sp>
@@ -14961,18 +14954,61 @@
 </file>
 
 <file path=customXml/item1.xml><?xml version="1.0" encoding="utf-8"?>
-<p:properties xmlns:p="http://schemas.microsoft.com/office/2006/metadata/properties" xmlns:xsi="http://www.w3.org/2001/XMLSchema-instance" xmlns:pc="http://schemas.microsoft.com/office/infopath/2007/PartnerControls">
-  <documentManagement>
-    <_dlc_DocId xmlns="0c9149cd-f996-4d9e-91c9-ce8e5945528f">KQK76PRV35WE-1143-163</_dlc_DocId>
-    <_dlc_DocIdUrl xmlns="0c9149cd-f996-4d9e-91c9-ce8e5945528f">
-      <Url>https://sps.skbkontur.ru/Services/officespace/_layouts/DocIdRedir.aspx?ID=KQK76PRV35WE-1143-163</Url>
-      <Description>KQK76PRV35WE-1143-163</Description>
-    </_dlc_DocIdUrl>
-  </documentManagement>
-</p:properties>
+<?mso-contentType ?>
+<FormTemplates xmlns="http://schemas.microsoft.com/sharepoint/v3/contenttype/forms">
+  <Display>DocumentLibraryForm</Display>
+  <Edit>DocumentLibraryForm</Edit>
+  <New>DocumentLibraryForm</New>
+</FormTemplates>
 </file>
 
 <file path=customXml/item2.xml><?xml version="1.0" encoding="utf-8"?>
+<?mso-contentType ?>
+<spe:Receivers xmlns:spe="http://schemas.microsoft.com/sharepoint/events">
+  <Receiver>
+    <Name>Document ID Generator</Name>
+    <Synchronization>Synchronous</Synchronization>
+    <Type>10001</Type>
+    <SequenceNumber>1000</SequenceNumber>
+    <Assembly>Microsoft.Office.DocumentManagement, Version=14.0.0.0, Culture=neutral, PublicKeyToken=71e9bce111e9429c</Assembly>
+    <Class>Microsoft.Office.DocumentManagement.Internal.DocIdHandler</Class>
+    <Data/>
+    <Filter/>
+  </Receiver>
+  <Receiver>
+    <Name>Document ID Generator</Name>
+    <Synchronization>Synchronous</Synchronization>
+    <Type>10002</Type>
+    <SequenceNumber>1001</SequenceNumber>
+    <Assembly>Microsoft.Office.DocumentManagement, Version=14.0.0.0, Culture=neutral, PublicKeyToken=71e9bce111e9429c</Assembly>
+    <Class>Microsoft.Office.DocumentManagement.Internal.DocIdHandler</Class>
+    <Data/>
+    <Filter/>
+  </Receiver>
+  <Receiver>
+    <Name>Document ID Generator</Name>
+    <Synchronization>Synchronous</Synchronization>
+    <Type>10004</Type>
+    <SequenceNumber>1002</SequenceNumber>
+    <Assembly>Microsoft.Office.DocumentManagement, Version=14.0.0.0, Culture=neutral, PublicKeyToken=71e9bce111e9429c</Assembly>
+    <Class>Microsoft.Office.DocumentManagement.Internal.DocIdHandler</Class>
+    <Data/>
+    <Filter/>
+  </Receiver>
+  <Receiver>
+    <Name>Document ID Generator</Name>
+    <Synchronization>Synchronous</Synchronization>
+    <Type>10006</Type>
+    <SequenceNumber>1003</SequenceNumber>
+    <Assembly>Microsoft.Office.DocumentManagement, Version=14.0.0.0, Culture=neutral, PublicKeyToken=71e9bce111e9429c</Assembly>
+    <Class>Microsoft.Office.DocumentManagement.Internal.DocIdHandler</Class>
+    <Data/>
+    <Filter/>
+  </Receiver>
+</spe:Receivers>
+</file>
+
+<file path=customXml/item3.xml><?xml version="1.0" encoding="utf-8"?>
 <ct:contentTypeSchema xmlns:ct="http://schemas.microsoft.com/office/2006/metadata/contentType" xmlns:ma="http://schemas.microsoft.com/office/2006/metadata/properties/metaAttributes" ct:_="" ma:_="" ma:contentTypeName="Документ" ma:contentTypeID="0x010100E346D4429ECB76409F7994AE89987FCA" ma:contentTypeVersion="0" ma:contentTypeDescription="Создание документа." ma:contentTypeScope="" ma:versionID="3cbcf180bdc4db4d624f0fe699415cfd">
   <xsd:schema xmlns:xsd="http://www.w3.org/2001/XMLSchema" xmlns:xs="http://www.w3.org/2001/XMLSchema" xmlns:p="http://schemas.microsoft.com/office/2006/metadata/properties" xmlns:ns2="0c9149cd-f996-4d9e-91c9-ce8e5945528f" targetNamespace="http://schemas.microsoft.com/office/2006/metadata/properties" ma:root="true" ma:fieldsID="8c6f0fecba2eaac0d733b3b653b3f5ff" ns2:_="">
     <xsd:import namespace="0c9149cd-f996-4d9e-91c9-ce8e5945528f"/>
@@ -15117,78 +15153,35 @@
 </ct:contentTypeSchema>
 </file>
 
-<file path=customXml/item3.xml><?xml version="1.0" encoding="utf-8"?>
-<?mso-contentType ?>
-<spe:Receivers xmlns:spe="http://schemas.microsoft.com/sharepoint/events">
-  <Receiver>
-    <Name>Document ID Generator</Name>
-    <Synchronization>Synchronous</Synchronization>
-    <Type>10001</Type>
-    <SequenceNumber>1000</SequenceNumber>
-    <Assembly>Microsoft.Office.DocumentManagement, Version=14.0.0.0, Culture=neutral, PublicKeyToken=71e9bce111e9429c</Assembly>
-    <Class>Microsoft.Office.DocumentManagement.Internal.DocIdHandler</Class>
-    <Data/>
-    <Filter/>
-  </Receiver>
-  <Receiver>
-    <Name>Document ID Generator</Name>
-    <Synchronization>Synchronous</Synchronization>
-    <Type>10002</Type>
-    <SequenceNumber>1001</SequenceNumber>
-    <Assembly>Microsoft.Office.DocumentManagement, Version=14.0.0.0, Culture=neutral, PublicKeyToken=71e9bce111e9429c</Assembly>
-    <Class>Microsoft.Office.DocumentManagement.Internal.DocIdHandler</Class>
-    <Data/>
-    <Filter/>
-  </Receiver>
-  <Receiver>
-    <Name>Document ID Generator</Name>
-    <Synchronization>Synchronous</Synchronization>
-    <Type>10004</Type>
-    <SequenceNumber>1002</SequenceNumber>
-    <Assembly>Microsoft.Office.DocumentManagement, Version=14.0.0.0, Culture=neutral, PublicKeyToken=71e9bce111e9429c</Assembly>
-    <Class>Microsoft.Office.DocumentManagement.Internal.DocIdHandler</Class>
-    <Data/>
-    <Filter/>
-  </Receiver>
-  <Receiver>
-    <Name>Document ID Generator</Name>
-    <Synchronization>Synchronous</Synchronization>
-    <Type>10006</Type>
-    <SequenceNumber>1003</SequenceNumber>
-    <Assembly>Microsoft.Office.DocumentManagement, Version=14.0.0.0, Culture=neutral, PublicKeyToken=71e9bce111e9429c</Assembly>
-    <Class>Microsoft.Office.DocumentManagement.Internal.DocIdHandler</Class>
-    <Data/>
-    <Filter/>
-  </Receiver>
-</spe:Receivers>
-</file>
-
 <file path=customXml/item4.xml><?xml version="1.0" encoding="utf-8"?>
-<?mso-contentType ?>
-<FormTemplates xmlns="http://schemas.microsoft.com/sharepoint/v3/contenttype/forms">
-  <Display>DocumentLibraryForm</Display>
-  <Edit>DocumentLibraryForm</Edit>
-  <New>DocumentLibraryForm</New>
-</FormTemplates>
+<p:properties xmlns:p="http://schemas.microsoft.com/office/2006/metadata/properties" xmlns:xsi="http://www.w3.org/2001/XMLSchema-instance" xmlns:pc="http://schemas.microsoft.com/office/infopath/2007/PartnerControls">
+  <documentManagement>
+    <_dlc_DocId xmlns="0c9149cd-f996-4d9e-91c9-ce8e5945528f">KQK76PRV35WE-1143-163</_dlc_DocId>
+    <_dlc_DocIdUrl xmlns="0c9149cd-f996-4d9e-91c9-ce8e5945528f">
+      <Url>https://sps.skbkontur.ru/Services/officespace/_layouts/DocIdRedir.aspx?ID=KQK76PRV35WE-1143-163</Url>
+      <Description>KQK76PRV35WE-1143-163</Description>
+    </_dlc_DocIdUrl>
+  </documentManagement>
+</p:properties>
 </file>
 
 <file path=customXml/itemProps1.xml><?xml version="1.0" encoding="utf-8"?>
-<ds:datastoreItem xmlns:ds="http://schemas.openxmlformats.org/officeDocument/2006/customXml" ds:itemID="{45CE6859-96AE-4F55-91FD-B1143C1F920F}">
+<ds:datastoreItem xmlns:ds="http://schemas.openxmlformats.org/officeDocument/2006/customXml" ds:itemID="{3C9FC0A9-D1C6-450E-992B-D3422A85EAB3}">
   <ds:schemaRefs>
-    <ds:schemaRef ds:uri="http://purl.org/dc/dcmitype/"/>
-    <ds:schemaRef ds:uri="http://schemas.microsoft.com/office/2006/documentManagement/types"/>
-    <ds:schemaRef ds:uri="http://purl.org/dc/elements/1.1/"/>
-    <ds:schemaRef ds:uri="http://schemas.microsoft.com/office/2006/metadata/properties"/>
-    <ds:schemaRef ds:uri="http://schemas.microsoft.com/office/infopath/2007/PartnerControls"/>
-    <ds:schemaRef ds:uri="0c9149cd-f996-4d9e-91c9-ce8e5945528f"/>
-    <ds:schemaRef ds:uri="http://purl.org/dc/terms/"/>
-    <ds:schemaRef ds:uri="http://schemas.openxmlformats.org/package/2006/metadata/core-properties"/>
-    <ds:schemaRef ds:uri="http://www.w3.org/XML/1998/namespace"/>
+    <ds:schemaRef ds:uri="http://schemas.microsoft.com/sharepoint/v3/contenttype/forms"/>
   </ds:schemaRefs>
 </ds:datastoreItem>
 </file>
 
 <file path=customXml/itemProps2.xml><?xml version="1.0" encoding="utf-8"?>
+<ds:datastoreItem xmlns:ds="http://schemas.openxmlformats.org/officeDocument/2006/customXml" ds:itemID="{4D57F3B4-626C-48E6-A3BF-29668BFEB3E8}">
+  <ds:schemaRefs>
+    <ds:schemaRef ds:uri="http://schemas.microsoft.com/sharepoint/events"/>
+  </ds:schemaRefs>
+</ds:datastoreItem>
+</file>
+
+<file path=customXml/itemProps3.xml><?xml version="1.0" encoding="utf-8"?>
 <ds:datastoreItem xmlns:ds="http://schemas.openxmlformats.org/officeDocument/2006/customXml" ds:itemID="{392A0E88-C45E-4035-ACB1-85AF74E6A851}">
   <ds:schemaRefs>
     <ds:schemaRef ds:uri="http://schemas.microsoft.com/office/2006/metadata/contentType"/>
@@ -15206,18 +15199,18 @@
 </ds:datastoreItem>
 </file>
 
-<file path=customXml/itemProps3.xml><?xml version="1.0" encoding="utf-8"?>
-<ds:datastoreItem xmlns:ds="http://schemas.openxmlformats.org/officeDocument/2006/customXml" ds:itemID="{4D57F3B4-626C-48E6-A3BF-29668BFEB3E8}">
+<file path=customXml/itemProps4.xml><?xml version="1.0" encoding="utf-8"?>
+<ds:datastoreItem xmlns:ds="http://schemas.openxmlformats.org/officeDocument/2006/customXml" ds:itemID="{45CE6859-96AE-4F55-91FD-B1143C1F920F}">
   <ds:schemaRefs>
-    <ds:schemaRef ds:uri="http://schemas.microsoft.com/sharepoint/events"/>
-  </ds:schemaRefs>
-</ds:datastoreItem>
-</file>
-
-<file path=customXml/itemProps4.xml><?xml version="1.0" encoding="utf-8"?>
-<ds:datastoreItem xmlns:ds="http://schemas.openxmlformats.org/officeDocument/2006/customXml" ds:itemID="{3C9FC0A9-D1C6-450E-992B-D3422A85EAB3}">
-  <ds:schemaRefs>
-    <ds:schemaRef ds:uri="http://schemas.microsoft.com/sharepoint/v3/contenttype/forms"/>
+    <ds:schemaRef ds:uri="http://purl.org/dc/dcmitype/"/>
+    <ds:schemaRef ds:uri="http://schemas.microsoft.com/office/2006/documentManagement/types"/>
+    <ds:schemaRef ds:uri="http://purl.org/dc/elements/1.1/"/>
+    <ds:schemaRef ds:uri="http://schemas.microsoft.com/office/2006/metadata/properties"/>
+    <ds:schemaRef ds:uri="http://schemas.microsoft.com/office/infopath/2007/PartnerControls"/>
+    <ds:schemaRef ds:uri="0c9149cd-f996-4d9e-91c9-ce8e5945528f"/>
+    <ds:schemaRef ds:uri="http://purl.org/dc/terms/"/>
+    <ds:schemaRef ds:uri="http://schemas.openxmlformats.org/package/2006/metadata/core-properties"/>
+    <ds:schemaRef ds:uri="http://www.w3.org/XML/1998/namespace"/>
   </ds:schemaRefs>
 </ds:datastoreItem>
 </file>